--- a/_temp_.pptx
+++ b/_temp_.pptx
@@ -30468,7 +30468,7 @@
           <p:nvPr>
             <p:extLst>
               <p:ext uri="{D42A27DB-BD31-4B8C-83A1-F6EECF244321}">
-                <p14:modId xmlns:p14="http://schemas.microsoft.com/office/powerpoint/2010/main" val="1031477194"/>
+                <p14:modId xmlns:p14="http://schemas.microsoft.com/office/powerpoint/2010/main" val="3272604524"/>
               </p:ext>
             </p:extLst>
           </p:nvPr>
@@ -30519,7 +30519,7 @@
                     <a:bodyPr/>
                     <a:lstStyle/>
                     <a:p>
-                      <a:pPr algn="ctr"/>
+                      <a:pPr algn="l"/>
                       <a:r>
                         <a:rPr lang="zh-CN" altLang="en-US" b="1" dirty="0">
                           <a:latin typeface="微软雅黑" panose="020B0503020204020204" pitchFamily="34" charset="-122"/>
@@ -30536,7 +30536,7 @@
                     <a:bodyPr/>
                     <a:lstStyle/>
                     <a:p>
-                      <a:pPr algn="ctr"/>
+                      <a:pPr algn="l"/>
                       <a:r>
                         <a:rPr lang="zh-CN" altLang="en-US" b="1" dirty="0">
                           <a:latin typeface="微软雅黑" panose="020B0503020204020204" pitchFamily="34" charset="-122"/>
@@ -30553,7 +30553,7 @@
                     <a:bodyPr/>
                     <a:lstStyle/>
                     <a:p>
-                      <a:pPr algn="ctr"/>
+                      <a:pPr algn="l"/>
                       <a:r>
                         <a:rPr lang="zh-CN" altLang="en-US" b="1" dirty="0">
                           <a:latin typeface="微软雅黑" panose="020B0503020204020204" pitchFamily="34" charset="-122"/>
@@ -30570,7 +30570,7 @@
                     <a:bodyPr/>
                     <a:lstStyle/>
                     <a:p>
-                      <a:pPr algn="ctr"/>
+                      <a:pPr algn="l"/>
                       <a:r>
                         <a:rPr lang="zh-CN" altLang="en-US" b="1" dirty="0">
                           <a:latin typeface="微软雅黑" panose="020B0503020204020204" pitchFamily="34" charset="-122"/>
@@ -30594,7 +30594,7 @@
                     <a:bodyPr/>
                     <a:lstStyle/>
                     <a:p>
-                      <a:pPr algn="ctr"/>
+                      <a:pPr algn="l"/>
                       <a:r>
                         <a:rPr lang="zh-CN" altLang="en-US" sz="1400" b="1" dirty="0">
                           <a:latin typeface="微软雅黑" panose="020B0503020204020204" pitchFamily="34" charset="-122"/>
@@ -30615,7 +30615,7 @@
                     <a:bodyPr/>
                     <a:lstStyle/>
                     <a:p>
-                      <a:pPr algn="ctr"/>
+                      <a:pPr algn="l"/>
                       <a:r>
                         <a:rPr lang="en-US" altLang="zh-CN" b="1" dirty="0">
                           <a:latin typeface="微软雅黑" panose="020B0503020204020204" pitchFamily="34" charset="-122"/>
@@ -30636,7 +30636,7 @@
                     <a:bodyPr/>
                     <a:lstStyle/>
                     <a:p>
-                      <a:pPr algn="ctr"/>
+                      <a:pPr algn="l"/>
                       <a:r>
                         <a:rPr lang="en-US" altLang="zh-CN" b="1" dirty="0">
                           <a:latin typeface="微软雅黑" panose="020B0503020204020204" pitchFamily="34" charset="-122"/>
@@ -30657,7 +30657,7 @@
                     <a:bodyPr/>
                     <a:lstStyle/>
                     <a:p>
-                      <a:pPr algn="ctr"/>
+                      <a:pPr algn="l"/>
                       <a:r>
                         <a:rPr lang="en-US" altLang="zh-CN" b="1" dirty="0">
                           <a:latin typeface="微软雅黑" panose="020B0503020204020204" pitchFamily="34" charset="-122"/>
@@ -31775,21 +31775,6 @@
 </file>
 
 <file path=customXml/item1.xml><?xml version="1.0" encoding="utf-8"?>
-<?mso-contentType ?>
-<FormTemplates xmlns="http://schemas.microsoft.com/sharepoint/v3/contenttype/forms">
-  <Display>DocumentLibraryForm</Display>
-  <Edit>DocumentLibraryForm</Edit>
-  <New>DocumentLibraryForm</New>
-</FormTemplates>
-</file>
-
-<file path=customXml/item2.xml><?xml version="1.0" encoding="utf-8"?>
-<p:properties xmlns:p="http://schemas.microsoft.com/office/2006/metadata/properties" xmlns:xsi="http://www.w3.org/2001/XMLSchema-instance">
-  <documentManagement/>
-</p:properties>
-</file>
-
-<file path=customXml/item3.xml><?xml version="1.0" encoding="utf-8"?>
 <ct:contentTypeSchema xmlns:ct="http://schemas.microsoft.com/office/2006/metadata/contentType" xmlns:ma="http://schemas.microsoft.com/office/2006/metadata/properties/metaAttributes" ct:_="" ma:_="" ma:contentTypeName="文档" ma:contentTypeID="0x0101007BF33693CA5B01438248E76ABDEAD400" ma:contentTypeVersion="0" ma:contentTypeDescription="新建文档。" ma:contentTypeScope="" ma:versionID="4e2316ae04fc75e1058aa195412a2639">
   <xsd:schema xmlns:xsd="http://www.w3.org/2001/XMLSchema" xmlns:p="http://schemas.microsoft.com/office/2006/metadata/properties" targetNamespace="http://schemas.microsoft.com/office/2006/metadata/properties" ma:root="true" ma:fieldsID="b51e50da1bca0add1c6bbfbefcbaaafa">
     <xsd:element name="properties">
@@ -31838,10 +31823,32 @@
 </ct:contentTypeSchema>
 </file>
 
+<file path=customXml/item2.xml><?xml version="1.0" encoding="utf-8"?>
+<p:properties xmlns:p="http://schemas.microsoft.com/office/2006/metadata/properties" xmlns:xsi="http://www.w3.org/2001/XMLSchema-instance">
+  <documentManagement/>
+</p:properties>
+</file>
+
+<file path=customXml/item3.xml><?xml version="1.0" encoding="utf-8"?>
+<?mso-contentType ?>
+<FormTemplates xmlns="http://schemas.microsoft.com/sharepoint/v3/contenttype/forms">
+  <Display>DocumentLibraryForm</Display>
+  <Edit>DocumentLibraryForm</Edit>
+  <New>DocumentLibraryForm</New>
+</FormTemplates>
+</file>
+
 <file path=customXml/itemProps1.xml><?xml version="1.0" encoding="utf-8"?>
-<ds:datastoreItem xmlns:ds="http://schemas.openxmlformats.org/officeDocument/2006/customXml" ds:itemID="{1B9782F7-9B4C-4F22-B564-1B88C2221A15}">
+<ds:datastoreItem xmlns:ds="http://schemas.openxmlformats.org/officeDocument/2006/customXml" ds:itemID="{1421D3D5-CABB-4E80-A42B-89FA86C2E94A}">
   <ds:schemaRefs>
-    <ds:schemaRef ds:uri="http://schemas.microsoft.com/sharepoint/v3/contenttype/forms"/>
+    <ds:schemaRef ds:uri="http://schemas.microsoft.com/office/2006/metadata/contentType"/>
+    <ds:schemaRef ds:uri="http://schemas.microsoft.com/office/2006/metadata/properties/metaAttributes"/>
+    <ds:schemaRef ds:uri="http://www.w3.org/2001/XMLSchema"/>
+    <ds:schemaRef ds:uri="http://schemas.microsoft.com/office/2006/metadata/properties"/>
+    <ds:schemaRef ds:uri="http://schemas.openxmlformats.org/package/2006/metadata/core-properties"/>
+    <ds:schemaRef ds:uri="http://purl.org/dc/elements/1.1/"/>
+    <ds:schemaRef ds:uri="http://purl.org/dc/terms/"/>
+    <ds:schemaRef ds:uri="http://schemas.microsoft.com/office/internal/2005/internalDocumentation"/>
   </ds:schemaRefs>
 </ds:datastoreItem>
 </file>
@@ -31861,16 +31868,9 @@
 </file>
 
 <file path=customXml/itemProps3.xml><?xml version="1.0" encoding="utf-8"?>
-<ds:datastoreItem xmlns:ds="http://schemas.openxmlformats.org/officeDocument/2006/customXml" ds:itemID="{1421D3D5-CABB-4E80-A42B-89FA86C2E94A}">
+<ds:datastoreItem xmlns:ds="http://schemas.openxmlformats.org/officeDocument/2006/customXml" ds:itemID="{1B9782F7-9B4C-4F22-B564-1B88C2221A15}">
   <ds:schemaRefs>
-    <ds:schemaRef ds:uri="http://schemas.microsoft.com/office/2006/metadata/contentType"/>
-    <ds:schemaRef ds:uri="http://schemas.microsoft.com/office/2006/metadata/properties/metaAttributes"/>
-    <ds:schemaRef ds:uri="http://www.w3.org/2001/XMLSchema"/>
-    <ds:schemaRef ds:uri="http://schemas.microsoft.com/office/2006/metadata/properties"/>
-    <ds:schemaRef ds:uri="http://schemas.openxmlformats.org/package/2006/metadata/core-properties"/>
-    <ds:schemaRef ds:uri="http://purl.org/dc/elements/1.1/"/>
-    <ds:schemaRef ds:uri="http://purl.org/dc/terms/"/>
-    <ds:schemaRef ds:uri="http://schemas.microsoft.com/office/internal/2005/internalDocumentation"/>
+    <ds:schemaRef ds:uri="http://schemas.microsoft.com/sharepoint/v3/contenttype/forms"/>
   </ds:schemaRefs>
 </ds:datastoreItem>
 </file>